--- a/ppt's/ASP.NET MVC Lesson 8 Sessions & Migrations.pptx
+++ b/ppt's/ASP.NET MVC Lesson 8 Sessions & Migrations.pptx
@@ -262,7 +262,7 @@
             <a:fld id="{7F1A4A96-82D9-489B-915B-218BDB102403}" type="datetimeFigureOut">
               <a:rPr lang="nl-BE" smtClean="0"/>
               <a:pPr/>
-              <a:t>29/09/2022</a:t>
+              <a:t>6/06/2023</a:t>
             </a:fld>
             <a:endParaRPr lang="nl-BE"/>
           </a:p>
@@ -329,7 +329,7 @@
             <a:fld id="{0D17EFB8-940B-4475-A4F4-BBE959E16336}" type="slidenum">
               <a:rPr lang="nl-BE" smtClean="0"/>
               <a:pPr/>
-              <a:t>‹nr.›</a:t>
+              <a:t>‹#›</a:t>
             </a:fld>
             <a:endParaRPr lang="nl-BE"/>
           </a:p>
@@ -429,7 +429,7 @@
             <a:fld id="{D1925427-6E8A-463A-9752-7D22F5CAF14A}" type="datetimeFigureOut">
               <a:rPr lang="nl-BE" smtClean="0"/>
               <a:pPr/>
-              <a:t>29/09/2022</a:t>
+              <a:t>6/06/2023</a:t>
             </a:fld>
             <a:endParaRPr lang="nl-BE"/>
           </a:p>
@@ -560,7 +560,7 @@
             <a:fld id="{89ED9555-764A-4B78-873A-3D7406AAEA2B}" type="slidenum">
               <a:rPr lang="nl-BE" smtClean="0"/>
               <a:pPr/>
-              <a:t>‹nr.›</a:t>
+              <a:t>‹#›</a:t>
             </a:fld>
             <a:endParaRPr lang="nl-BE"/>
           </a:p>
@@ -1459,7 +1459,7 @@
             <a:fld id="{3B80295F-48CD-49FC-897A-CCEC919B8070}" type="slidenum">
               <a:rPr lang="nl-BE" smtClean="0"/>
               <a:pPr/>
-              <a:t>‹nr.›</a:t>
+              <a:t>‹#›</a:t>
             </a:fld>
             <a:endParaRPr lang="nl-BE" dirty="0"/>
           </a:p>
@@ -1803,7 +1803,7 @@
             <a:fld id="{3B80295F-48CD-49FC-897A-CCEC919B8070}" type="slidenum">
               <a:rPr lang="nl-BE" smtClean="0"/>
               <a:pPr/>
-              <a:t>‹nr.›</a:t>
+              <a:t>‹#›</a:t>
             </a:fld>
             <a:endParaRPr lang="nl-BE" dirty="0"/>
           </a:p>
@@ -2018,7 +2018,7 @@
             <a:fld id="{3B80295F-48CD-49FC-897A-CCEC919B8070}" type="slidenum">
               <a:rPr lang="nl-BE" smtClean="0"/>
               <a:pPr/>
-              <a:t>‹nr.›</a:t>
+              <a:t>‹#›</a:t>
             </a:fld>
             <a:endParaRPr lang="nl-BE" dirty="0"/>
           </a:p>
@@ -2456,7 +2456,7 @@
             <a:fld id="{3B80295F-48CD-49FC-897A-CCEC919B8070}" type="slidenum">
               <a:rPr lang="nl-BE" smtClean="0"/>
               <a:pPr/>
-              <a:t>‹nr.›</a:t>
+              <a:t>‹#›</a:t>
             </a:fld>
             <a:endParaRPr lang="nl-BE" dirty="0"/>
           </a:p>
@@ -2698,7 +2698,7 @@
             <a:fld id="{3B80295F-48CD-49FC-897A-CCEC919B8070}" type="slidenum">
               <a:rPr lang="nl-BE" smtClean="0"/>
               <a:pPr/>
-              <a:t>‹nr.›</a:t>
+              <a:t>‹#›</a:t>
             </a:fld>
             <a:endParaRPr lang="nl-BE" dirty="0"/>
           </a:p>
@@ -2785,7 +2785,7 @@
             <a:fld id="{3B80295F-48CD-49FC-897A-CCEC919B8070}" type="slidenum">
               <a:rPr lang="nl-BE" smtClean="0"/>
               <a:pPr/>
-              <a:t>‹nr.›</a:t>
+              <a:t>‹#›</a:t>
             </a:fld>
             <a:endParaRPr lang="nl-BE" dirty="0"/>
           </a:p>
@@ -2971,7 +2971,7 @@
             <a:fld id="{3B80295F-48CD-49FC-897A-CCEC919B8070}" type="slidenum">
               <a:rPr lang="nl-BE" smtClean="0"/>
               <a:pPr/>
-              <a:t>‹nr.›</a:t>
+              <a:t>‹#›</a:t>
             </a:fld>
             <a:endParaRPr lang="nl-BE" dirty="0"/>
           </a:p>
@@ -3235,7 +3235,7 @@
             <a:fld id="{3B80295F-48CD-49FC-897A-CCEC919B8070}" type="slidenum">
               <a:rPr lang="nl-BE" smtClean="0"/>
               <a:pPr/>
-              <a:t>‹nr.›</a:t>
+              <a:t>‹#›</a:t>
             </a:fld>
             <a:endParaRPr lang="nl-BE" dirty="0"/>
           </a:p>
